--- a/meetings/08-05-2019 Searchflow.pptx
+++ b/meetings/08-05-2019 Searchflow.pptx
@@ -7,6 +7,7 @@
   <p:sldIdLst>
     <p:sldId id="257" r:id="rId2"/>
     <p:sldId id="256" r:id="rId3"/>
+    <p:sldId id="258" r:id="rId4"/>
   </p:sldIdLst>
   <p:sldSz cx="12192000" cy="6858000"/>
   <p:notesSz cx="6858000" cy="9144000"/>
@@ -3615,7 +3616,7 @@
         </p:nvSpPr>
         <p:spPr>
           <a:xfrm>
-            <a:off x="10605541" y="602503"/>
+            <a:off x="9570491" y="3346128"/>
             <a:ext cx="712033" cy="165743"/>
           </a:xfrm>
           <a:prstGeom prst="rect">
@@ -5242,6 +5243,204 @@
 </p:sld>
 </file>
 
+<file path=ppt/slides/slide3.xml><?xml version="1.0" encoding="utf-8"?>
+<p:sld xmlns:a="http://schemas.openxmlformats.org/drawingml/2006/main" xmlns:r="http://schemas.openxmlformats.org/officeDocument/2006/relationships" xmlns:p="http://schemas.openxmlformats.org/presentationml/2006/main">
+  <p:cSld>
+    <p:spTree>
+      <p:nvGrpSpPr>
+        <p:cNvPr id="1" name=""/>
+        <p:cNvGrpSpPr/>
+        <p:nvPr/>
+      </p:nvGrpSpPr>
+      <p:grpSpPr>
+        <a:xfrm>
+          <a:off x="0" y="0"/>
+          <a:ext cx="0" cy="0"/>
+          <a:chOff x="0" y="0"/>
+          <a:chExt cx="0" cy="0"/>
+        </a:xfrm>
+      </p:grpSpPr>
+      <p:sp>
+        <p:nvSpPr>
+          <p:cNvPr id="4" name="Title 3">
+            <a:extLst>
+              <a:ext uri="{FF2B5EF4-FFF2-40B4-BE49-F238E27FC236}">
+                <a16:creationId xmlns:a16="http://schemas.microsoft.com/office/drawing/2014/main" id="{6545A3E8-C7A7-4762-831D-5B2ACFC960AD}"/>
+              </a:ext>
+            </a:extLst>
+          </p:cNvPr>
+          <p:cNvSpPr>
+            <a:spLocks noGrp="1"/>
+          </p:cNvSpPr>
+          <p:nvPr>
+            <p:ph type="title"/>
+          </p:nvPr>
+        </p:nvSpPr>
+        <p:spPr/>
+        <p:txBody>
+          <a:bodyPr/>
+          <a:lstStyle/>
+          <a:p>
+            <a:r>
+              <a:rPr lang="en-US" b="1" dirty="0"/>
+              <a:t>Example User Query Methodology</a:t>
+            </a:r>
+            <a:endParaRPr lang="en-DE" dirty="0"/>
+          </a:p>
+        </p:txBody>
+      </p:sp>
+      <p:sp>
+        <p:nvSpPr>
+          <p:cNvPr id="5" name="Content Placeholder 4">
+            <a:extLst>
+              <a:ext uri="{FF2B5EF4-FFF2-40B4-BE49-F238E27FC236}">
+                <a16:creationId xmlns:a16="http://schemas.microsoft.com/office/drawing/2014/main" id="{D96146DB-E7B9-40BA-BD89-BC8BE097260E}"/>
+              </a:ext>
+            </a:extLst>
+          </p:cNvPr>
+          <p:cNvSpPr>
+            <a:spLocks noGrp="1"/>
+          </p:cNvSpPr>
+          <p:nvPr>
+            <p:ph idx="1"/>
+          </p:nvPr>
+        </p:nvSpPr>
+        <p:spPr>
+          <a:xfrm>
+            <a:off x="838200" y="1825625"/>
+            <a:ext cx="5667375" cy="4351338"/>
+          </a:xfrm>
+        </p:spPr>
+        <p:txBody>
+          <a:bodyPr>
+            <a:normAutofit lnSpcReduction="10000"/>
+          </a:bodyPr>
+          <a:lstStyle/>
+          <a:p>
+            <a:pPr marL="514350" lvl="0" indent="-514350">
+              <a:buFont typeface="+mj-lt"/>
+              <a:buAutoNum type="arabicPeriod"/>
+            </a:pPr>
+            <a:r>
+              <a:rPr lang="en-US" dirty="0"/>
+              <a:t>Think of developer’s information need and corresponding queries</a:t>
+            </a:r>
+            <a:endParaRPr lang="en-DE" dirty="0"/>
+          </a:p>
+          <a:p>
+            <a:pPr marL="514350" lvl="0" indent="-514350">
+              <a:buFont typeface="+mj-lt"/>
+              <a:buAutoNum type="arabicPeriod"/>
+            </a:pPr>
+            <a:r>
+              <a:rPr lang="en-US" dirty="0"/>
+              <a:t>Use Google Search for only </a:t>
+            </a:r>
+            <a:r>
+              <a:rPr lang="en-US" dirty="0" err="1"/>
+              <a:t>Stackoverflow</a:t>
+            </a:r>
+            <a:r>
+              <a:rPr lang="en-US" dirty="0"/>
+              <a:t> results</a:t>
+            </a:r>
+            <a:endParaRPr lang="en-DE" dirty="0"/>
+          </a:p>
+          <a:p>
+            <a:pPr marL="514350" lvl="0" indent="-514350">
+              <a:buFont typeface="+mj-lt"/>
+              <a:buAutoNum type="arabicPeriod"/>
+            </a:pPr>
+            <a:r>
+              <a:rPr lang="en-US" dirty="0"/>
+              <a:t>Filter for date range 06/05/2017 to 06/05/2019</a:t>
+            </a:r>
+            <a:endParaRPr lang="en-DE" dirty="0"/>
+          </a:p>
+          <a:p>
+            <a:pPr marL="514350" lvl="0" indent="-514350">
+              <a:buFont typeface="+mj-lt"/>
+              <a:buAutoNum type="arabicPeriod"/>
+            </a:pPr>
+            <a:r>
+              <a:rPr lang="en-US" dirty="0"/>
+              <a:t>Cross-validate results with </a:t>
+            </a:r>
+            <a:r>
+              <a:rPr lang="en-US" dirty="0" err="1"/>
+              <a:t>Stackoverflow</a:t>
+            </a:r>
+            <a:r>
+              <a:rPr lang="en-US" dirty="0"/>
+              <a:t> built-in </a:t>
+            </a:r>
+            <a:r>
+              <a:rPr lang="en-US" dirty="0" err="1"/>
+              <a:t>ElasticSearch</a:t>
+            </a:r>
+            <a:r>
+              <a:rPr lang="en-US" dirty="0"/>
+              <a:t> results</a:t>
+            </a:r>
+          </a:p>
+          <a:p>
+            <a:pPr marL="514350" lvl="0" indent="-514350">
+              <a:buFont typeface="+mj-lt"/>
+              <a:buAutoNum type="arabicPeriod"/>
+            </a:pPr>
+            <a:r>
+              <a:rPr lang="en-US" dirty="0"/>
+              <a:t>Return ranked top 3 questions</a:t>
+            </a:r>
+            <a:endParaRPr lang="en-DE" dirty="0"/>
+          </a:p>
+          <a:p>
+            <a:endParaRPr lang="en-DE" dirty="0"/>
+          </a:p>
+        </p:txBody>
+      </p:sp>
+      <p:pic>
+        <p:nvPicPr>
+          <p:cNvPr id="6" name="Picture 5">
+            <a:extLst>
+              <a:ext uri="{FF2B5EF4-FFF2-40B4-BE49-F238E27FC236}">
+                <a16:creationId xmlns:a16="http://schemas.microsoft.com/office/drawing/2014/main" id="{1A829376-A0C9-452D-98BD-863A2CD42C36}"/>
+              </a:ext>
+            </a:extLst>
+          </p:cNvPr>
+          <p:cNvPicPr>
+            <a:picLocks noChangeAspect="1"/>
+          </p:cNvPicPr>
+          <p:nvPr/>
+        </p:nvPicPr>
+        <p:blipFill rotWithShape="1">
+          <a:blip r:embed="rId2"/>
+          <a:srcRect r="30193"/>
+          <a:stretch/>
+        </p:blipFill>
+        <p:spPr>
+          <a:xfrm>
+            <a:off x="6597015" y="2262981"/>
+            <a:ext cx="4756785" cy="3476625"/>
+          </a:xfrm>
+          <a:prstGeom prst="rect">
+            <a:avLst/>
+          </a:prstGeom>
+        </p:spPr>
+      </p:pic>
+    </p:spTree>
+    <p:extLst>
+      <p:ext uri="{BB962C8B-B14F-4D97-AF65-F5344CB8AC3E}">
+        <p14:creationId xmlns:p14="http://schemas.microsoft.com/office/powerpoint/2010/main" val="3748110872"/>
+      </p:ext>
+    </p:extLst>
+  </p:cSld>
+  <p:clrMapOvr>
+    <a:masterClrMapping/>
+  </p:clrMapOvr>
+</p:sld>
+</file>
+
 <file path=ppt/theme/theme1.xml><?xml version="1.0" encoding="utf-8"?>
 <a:theme xmlns:a="http://schemas.openxmlformats.org/drawingml/2006/main" name="Office Theme">
   <a:themeElements>
